--- a/Specifikacija projekta - final RA57_2012.pptx
+++ b/Specifikacija projekta - final RA57_2012.pptx
@@ -596,7 +596,7 @@
             <a:fld id="{7D0065BE-0657-4A47-90AD-C21C55E16B19}" type="datetime4">
               <a:rPr lang="en-US" smtClean="0"/>
               <a:pPr/>
-              <a:t>February 13, 2016</a:t>
+              <a:t>February 17, 2016</a:t>
             </a:fld>
             <a:endParaRPr lang="en-US"/>
           </a:p>
@@ -763,7 +763,7 @@
             <a:fld id="{A16C3AA4-67BE-44F7-809A-3582401494AF}" type="datetime4">
               <a:rPr lang="en-US" smtClean="0"/>
               <a:pPr/>
-              <a:t>February 13, 2016</a:t>
+              <a:t>February 17, 2016</a:t>
             </a:fld>
             <a:endParaRPr lang="en-US"/>
           </a:p>
@@ -940,7 +940,7 @@
             <a:fld id="{25172EEB-1769-4776-AD69-E7C1260563EB}" type="datetime4">
               <a:rPr lang="en-US" smtClean="0"/>
               <a:pPr/>
-              <a:t>February 13, 2016</a:t>
+              <a:t>February 17, 2016</a:t>
             </a:fld>
             <a:endParaRPr lang="en-US"/>
           </a:p>
@@ -1107,7 +1107,7 @@
             <a:fld id="{D47BB8AF-C16A-4836-A92D-61834B5F0BA5}" type="datetime4">
               <a:rPr lang="en-US" smtClean="0"/>
               <a:pPr/>
-              <a:t>February 13, 2016</a:t>
+              <a:t>February 17, 2016</a:t>
             </a:fld>
             <a:endParaRPr lang="en-US"/>
           </a:p>
@@ -1662,7 +1662,7 @@
             <a:fld id="{647D2193-4505-4A75-99BB-880C6989A757}" type="datetime4">
               <a:rPr lang="en-US" smtClean="0"/>
               <a:pPr/>
-              <a:t>February 13, 2016</a:t>
+              <a:t>February 17, 2016</a:t>
             </a:fld>
             <a:endParaRPr lang="en-US"/>
           </a:p>
@@ -1924,7 +1924,7 @@
             <a:fld id="{113A18F4-33C3-445B-924C-31108C51719C}" type="datetime4">
               <a:rPr lang="en-US" smtClean="0"/>
               <a:pPr/>
-              <a:t>February 13, 2016</a:t>
+              <a:t>February 17, 2016</a:t>
             </a:fld>
             <a:endParaRPr lang="en-US"/>
           </a:p>
@@ -2414,7 +2414,7 @@
             <a:fld id="{3AF7543A-E259-478F-9E0D-57BA40E442B7}" type="datetime4">
               <a:rPr lang="en-US" smtClean="0"/>
               <a:pPr/>
-              <a:t>February 13, 2016</a:t>
+              <a:t>February 17, 2016</a:t>
             </a:fld>
             <a:endParaRPr lang="en-US"/>
           </a:p>
@@ -2529,7 +2529,7 @@
             <a:fld id="{1EFB012D-77A1-44B0-BB26-329BA1EE55C9}" type="datetime4">
               <a:rPr lang="en-US" smtClean="0"/>
               <a:pPr/>
-              <a:t>February 13, 2016</a:t>
+              <a:t>February 17, 2016</a:t>
             </a:fld>
             <a:endParaRPr lang="en-US"/>
           </a:p>
@@ -2621,7 +2621,7 @@
             <a:fld id="{94B7499E-3031-413E-B01E-B94970708CAA}" type="datetime4">
               <a:rPr lang="en-US" smtClean="0"/>
               <a:pPr/>
-              <a:t>February 13, 2016</a:t>
+              <a:t>February 17, 2016</a:t>
             </a:fld>
             <a:endParaRPr lang="en-US"/>
           </a:p>
@@ -3053,7 +3053,7 @@
             <a:fld id="{DC7EAB0C-2220-4D0E-A0DD-DB7FA0F742F4}" type="datetime4">
               <a:rPr lang="en-US" smtClean="0"/>
               <a:pPr/>
-              <a:t>February 13, 2016</a:t>
+              <a:t>February 17, 2016</a:t>
             </a:fld>
             <a:endParaRPr lang="en-US"/>
           </a:p>
@@ -3588,7 +3588,7 @@
             <a:fld id="{E3416D63-31BF-4B94-B6C5-E20B2C63F515}" type="datetime4">
               <a:rPr lang="en-US" smtClean="0"/>
               <a:pPr/>
-              <a:t>February 13, 2016</a:t>
+              <a:t>February 17, 2016</a:t>
             </a:fld>
             <a:endParaRPr lang="en-US"/>
           </a:p>
@@ -4430,7 +4430,7 @@
             <a:fld id="{62B1B13E-D5AF-485E-81A1-82A140076526}" type="datetime4">
               <a:rPr lang="en-US" smtClean="0"/>
               <a:pPr/>
-              <a:t>February 13, 2016</a:t>
+              <a:t>February 17, 2016</a:t>
             </a:fld>
             <a:endParaRPr lang="en-US" dirty="0"/>
           </a:p>
@@ -8778,11 +8778,15 @@
             </a:r>
             <a:r>
               <a:rPr lang="en-US" dirty="0" err="1" smtClean="0"/>
-              <a:t>zadovoljavajuci</a:t>
-            </a:r>
-            <a:r>
-              <a:rPr lang="en-US" dirty="0" smtClean="0"/>
-              <a:t> </a:t>
+              <a:t>zadovoljavaju</a:t>
+            </a:r>
+            <a:r>
+              <a:rPr lang="sr-Latn-RS" dirty="0" smtClean="0"/>
+              <a:t>ć</a:t>
+            </a:r>
+            <a:r>
+              <a:rPr lang="en-US" dirty="0" smtClean="0"/>
+              <a:t>i </a:t>
             </a:r>
             <a:r>
               <a:rPr lang="en-US" dirty="0" err="1" smtClean="0"/>
@@ -8794,283 +8798,7 @@
             </a:r>
             <a:r>
               <a:rPr lang="en-US" dirty="0" err="1" smtClean="0"/>
-              <a:t>uspesnosti</a:t>
-            </a:r>
-            <a:r>
-              <a:rPr lang="en-US" dirty="0" smtClean="0"/>
-              <a:t>, </a:t>
-            </a:r>
-            <a:r>
-              <a:rPr lang="en-US" dirty="0" err="1" smtClean="0"/>
-              <a:t>jer</a:t>
-            </a:r>
-            <a:r>
-              <a:rPr lang="en-US" dirty="0" smtClean="0"/>
-              <a:t> </a:t>
-            </a:r>
-            <a:r>
-              <a:rPr lang="en-US" dirty="0" err="1" smtClean="0"/>
-              <a:t>karakter</a:t>
-            </a:r>
-            <a:r>
-              <a:rPr lang="en-US" dirty="0" smtClean="0"/>
-              <a:t> </a:t>
-            </a:r>
-            <a:r>
-              <a:rPr lang="en-US" dirty="0" err="1" smtClean="0"/>
-              <a:t>odredjuje</a:t>
-            </a:r>
-            <a:r>
-              <a:rPr lang="en-US" dirty="0" smtClean="0"/>
-              <a:t> </a:t>
-            </a:r>
-            <a:r>
-              <a:rPr lang="en-US" dirty="0" err="1" smtClean="0"/>
-              <a:t>mnogo</a:t>
-            </a:r>
-            <a:r>
-              <a:rPr lang="en-US" dirty="0" smtClean="0"/>
-              <a:t> vise od </a:t>
-            </a:r>
-            <a:r>
-              <a:rPr lang="en-US" dirty="0" err="1" smtClean="0"/>
-              <a:t>crta</a:t>
-            </a:r>
-            <a:r>
-              <a:rPr lang="en-US" dirty="0" smtClean="0"/>
-              <a:t> </a:t>
-            </a:r>
-            <a:r>
-              <a:rPr lang="en-US" dirty="0" err="1" smtClean="0"/>
-              <a:t>lica</a:t>
-            </a:r>
-            <a:r>
-              <a:rPr lang="en-US" dirty="0" smtClean="0"/>
-              <a:t> </a:t>
-            </a:r>
-            <a:r>
-              <a:rPr lang="en-US" dirty="0" err="1" smtClean="0"/>
-              <a:t>koje</a:t>
-            </a:r>
-            <a:r>
-              <a:rPr lang="en-US" dirty="0" smtClean="0"/>
-              <a:t> </a:t>
-            </a:r>
-            <a:r>
-              <a:rPr lang="en-US" dirty="0" err="1" smtClean="0"/>
-              <a:t>posedujemo</a:t>
-            </a:r>
-            <a:r>
-              <a:rPr lang="en-US" dirty="0" smtClean="0"/>
-              <a:t>, </a:t>
-            </a:r>
-            <a:r>
-              <a:rPr lang="en-US" dirty="0" err="1" smtClean="0"/>
-              <a:t>motivacija</a:t>
-            </a:r>
-            <a:r>
-              <a:rPr lang="en-US" dirty="0" smtClean="0"/>
-              <a:t> </a:t>
-            </a:r>
-            <a:r>
-              <a:rPr lang="en-US" dirty="0" err="1" smtClean="0"/>
-              <a:t>za</a:t>
-            </a:r>
-            <a:r>
-              <a:rPr lang="en-US" dirty="0" smtClean="0"/>
-              <a:t> rad je vise </a:t>
-            </a:r>
-            <a:r>
-              <a:rPr lang="en-US" dirty="0" err="1" smtClean="0"/>
-              <a:t>eksperimentalna</a:t>
-            </a:r>
-            <a:r>
-              <a:rPr lang="en-US" dirty="0" smtClean="0"/>
-              <a:t> i </a:t>
-            </a:r>
-            <a:r>
-              <a:rPr lang="en-US" dirty="0" err="1" smtClean="0"/>
-              <a:t>nastoji</a:t>
-            </a:r>
-            <a:r>
-              <a:rPr lang="en-US" dirty="0" smtClean="0"/>
-              <a:t> da </a:t>
-            </a:r>
-            <a:r>
-              <a:rPr lang="en-US" dirty="0" err="1" smtClean="0"/>
-              <a:t>prezentuje</a:t>
-            </a:r>
-            <a:r>
-              <a:rPr lang="en-US" dirty="0" smtClean="0"/>
-              <a:t> </a:t>
-            </a:r>
-            <a:r>
-              <a:rPr lang="en-US" dirty="0" err="1" smtClean="0"/>
-              <a:t>analizu</a:t>
-            </a:r>
-            <a:r>
-              <a:rPr lang="en-US" dirty="0" smtClean="0"/>
-              <a:t> </a:t>
-            </a:r>
-            <a:r>
-              <a:rPr lang="en-US" dirty="0" err="1" smtClean="0"/>
-              <a:t>kontura</a:t>
-            </a:r>
-            <a:r>
-              <a:rPr lang="en-US" dirty="0" smtClean="0"/>
-              <a:t> </a:t>
-            </a:r>
-            <a:r>
-              <a:rPr lang="en-US" dirty="0" err="1" smtClean="0"/>
-              <a:t>sa</a:t>
-            </a:r>
-            <a:r>
-              <a:rPr lang="en-US" dirty="0" smtClean="0"/>
-              <a:t> </a:t>
-            </a:r>
-            <a:r>
-              <a:rPr lang="en-US" dirty="0" err="1" smtClean="0"/>
-              <a:t>slike</a:t>
-            </a:r>
-            <a:r>
-              <a:rPr lang="en-US" dirty="0" smtClean="0"/>
-              <a:t>.</a:t>
-            </a:r>
-          </a:p>
-          <a:p>
-            <a:r>
-              <a:rPr lang="en-US" dirty="0" err="1" smtClean="0"/>
-              <a:t>Prvi</a:t>
-            </a:r>
-            <a:r>
-              <a:rPr lang="en-US" dirty="0" smtClean="0"/>
-              <a:t> </a:t>
-            </a:r>
-            <a:r>
-              <a:rPr lang="en-US" dirty="0" err="1" smtClean="0"/>
-              <a:t>spisi</a:t>
-            </a:r>
-            <a:r>
-              <a:rPr lang="en-US" dirty="0" smtClean="0"/>
-              <a:t> o </a:t>
-            </a:r>
-            <a:r>
-              <a:rPr lang="en-US" dirty="0" err="1" smtClean="0"/>
-              <a:t>fiziognomici</a:t>
-            </a:r>
-            <a:r>
-              <a:rPr lang="en-US" dirty="0" smtClean="0"/>
-              <a:t> </a:t>
-            </a:r>
-            <a:r>
-              <a:rPr lang="en-US" dirty="0" err="1" smtClean="0"/>
-              <a:t>poticu</a:t>
-            </a:r>
-            <a:r>
-              <a:rPr lang="en-US" dirty="0" smtClean="0"/>
-              <a:t> </a:t>
-            </a:r>
-            <a:r>
-              <a:rPr lang="en-US" dirty="0" err="1" smtClean="0"/>
-              <a:t>jos</a:t>
-            </a:r>
-            <a:r>
-              <a:rPr lang="en-US" dirty="0" smtClean="0"/>
-              <a:t> </a:t>
-            </a:r>
-            <a:r>
-              <a:rPr lang="en-US" dirty="0" err="1" smtClean="0"/>
-              <a:t>iz</a:t>
-            </a:r>
-            <a:r>
-              <a:rPr lang="en-US" dirty="0" smtClean="0"/>
-              <a:t> 5.veka p.n. </a:t>
-            </a:r>
-            <a:endParaRPr lang="en-US" dirty="0"/>
-          </a:p>
-          <a:p>
-            <a:r>
-              <a:rPr lang="en-US" dirty="0" err="1" smtClean="0"/>
-              <a:t>Aristotel</a:t>
-            </a:r>
-            <a:r>
-              <a:rPr lang="en-US" dirty="0" smtClean="0"/>
-              <a:t> </a:t>
-            </a:r>
-            <a:r>
-              <a:rPr lang="en-US" dirty="0" err="1" smtClean="0"/>
-              <a:t>daje</a:t>
-            </a:r>
-            <a:r>
-              <a:rPr lang="en-US" dirty="0" smtClean="0"/>
-              <a:t> </a:t>
-            </a:r>
-            <a:r>
-              <a:rPr lang="en-US" dirty="0" err="1" smtClean="0"/>
-              <a:t>prvo</a:t>
-            </a:r>
-            <a:r>
-              <a:rPr lang="en-US" dirty="0" smtClean="0"/>
-              <a:t> </a:t>
-            </a:r>
-            <a:r>
-              <a:rPr lang="en-US" dirty="0" err="1" smtClean="0"/>
-              <a:t>teorijsko</a:t>
-            </a:r>
-            <a:r>
-              <a:rPr lang="en-US" dirty="0" smtClean="0"/>
-              <a:t> </a:t>
-            </a:r>
-            <a:r>
-              <a:rPr lang="en-US" dirty="0" err="1" smtClean="0"/>
-              <a:t>objasnjenje</a:t>
-            </a:r>
-            <a:r>
-              <a:rPr lang="en-US" dirty="0" smtClean="0"/>
-              <a:t> </a:t>
-            </a:r>
-            <a:r>
-              <a:rPr lang="en-US" dirty="0" err="1" smtClean="0"/>
-              <a:t>fiziognomike</a:t>
-            </a:r>
-            <a:endParaRPr lang="en-US" dirty="0" smtClean="0"/>
-          </a:p>
-          <a:p>
-            <a:r>
-              <a:rPr lang="en-US" dirty="0" smtClean="0"/>
-              <a:t>U </a:t>
-            </a:r>
-            <a:r>
-              <a:rPr lang="en-US" dirty="0" err="1" smtClean="0"/>
-              <a:t>doba</a:t>
-            </a:r>
-            <a:r>
-              <a:rPr lang="en-US" dirty="0" smtClean="0"/>
-              <a:t> </a:t>
-            </a:r>
-            <a:r>
-              <a:rPr lang="en-US" dirty="0" err="1" smtClean="0"/>
-              <a:t>renesanse</a:t>
-            </a:r>
-            <a:r>
-              <a:rPr lang="en-US" dirty="0" smtClean="0"/>
-              <a:t>, u </a:t>
-            </a:r>
-            <a:r>
-              <a:rPr lang="en-US" dirty="0" err="1" smtClean="0"/>
-              <a:t>Evropi</a:t>
-            </a:r>
-            <a:r>
-              <a:rPr lang="en-US" dirty="0" smtClean="0"/>
-              <a:t>, </a:t>
-            </a:r>
-            <a:r>
-              <a:rPr lang="en-US" dirty="0" err="1" smtClean="0"/>
-              <a:t>pocinju</a:t>
-            </a:r>
-            <a:r>
-              <a:rPr lang="en-US" dirty="0" smtClean="0"/>
-              <a:t> </a:t>
+              <a:t>uspe</a:t>
             </a:r>
             <a:r>
               <a:rPr lang="sr-Latn-RS" dirty="0" smtClean="0"/>
@@ -9078,31 +8806,315 @@
             </a:r>
             <a:r>
               <a:rPr lang="en-US" dirty="0" err="1" smtClean="0"/>
-              <a:t>pekulacije</a:t>
-            </a:r>
-            <a:r>
-              <a:rPr lang="en-US" dirty="0" smtClean="0"/>
-              <a:t> </a:t>
-            </a:r>
-            <a:r>
-              <a:rPr lang="en-US" dirty="0" err="1" smtClean="0"/>
-              <a:t>na</a:t>
-            </a:r>
-            <a:r>
-              <a:rPr lang="en-US" dirty="0" smtClean="0"/>
-              <a:t> </a:t>
-            </a:r>
-            <a:r>
-              <a:rPr lang="en-US" dirty="0" err="1" smtClean="0"/>
-              <a:t>temu</a:t>
-            </a:r>
-            <a:r>
-              <a:rPr lang="en-US" dirty="0" smtClean="0"/>
-              <a:t> </a:t>
-            </a:r>
-            <a:r>
-              <a:rPr lang="en-US" dirty="0" smtClean="0"/>
-              <a:t>ta</a:t>
+              <a:t>nosti</a:t>
+            </a:r>
+            <a:r>
+              <a:rPr lang="en-US" dirty="0" smtClean="0"/>
+              <a:t>, </a:t>
+            </a:r>
+            <a:r>
+              <a:rPr lang="en-US" dirty="0" err="1" smtClean="0"/>
+              <a:t>jer</a:t>
+            </a:r>
+            <a:r>
+              <a:rPr lang="en-US" dirty="0" smtClean="0"/>
+              <a:t> </a:t>
+            </a:r>
+            <a:r>
+              <a:rPr lang="en-US" dirty="0" err="1" smtClean="0"/>
+              <a:t>karakter</a:t>
+            </a:r>
+            <a:r>
+              <a:rPr lang="en-US" dirty="0" smtClean="0"/>
+              <a:t> </a:t>
+            </a:r>
+            <a:r>
+              <a:rPr lang="en-US" dirty="0" err="1" smtClean="0"/>
+              <a:t>odredjuje</a:t>
+            </a:r>
+            <a:r>
+              <a:rPr lang="en-US" dirty="0" smtClean="0"/>
+              <a:t> </a:t>
+            </a:r>
+            <a:r>
+              <a:rPr lang="en-US" dirty="0" err="1" smtClean="0"/>
+              <a:t>mnogo</a:t>
+            </a:r>
+            <a:r>
+              <a:rPr lang="en-US" dirty="0" smtClean="0"/>
+              <a:t> </a:t>
+            </a:r>
+            <a:r>
+              <a:rPr lang="en-US" dirty="0" smtClean="0"/>
+              <a:t>vi</a:t>
+            </a:r>
+            <a:r>
+              <a:rPr lang="sr-Latn-RS" dirty="0" smtClean="0"/>
+              <a:t>š</a:t>
+            </a:r>
+            <a:r>
+              <a:rPr lang="en-US" dirty="0" smtClean="0"/>
+              <a:t>e </a:t>
+            </a:r>
+            <a:r>
+              <a:rPr lang="en-US" dirty="0" smtClean="0"/>
+              <a:t>od </a:t>
+            </a:r>
+            <a:r>
+              <a:rPr lang="en-US" dirty="0" err="1" smtClean="0"/>
+              <a:t>crta</a:t>
+            </a:r>
+            <a:r>
+              <a:rPr lang="en-US" dirty="0" smtClean="0"/>
+              <a:t> </a:t>
+            </a:r>
+            <a:r>
+              <a:rPr lang="en-US" dirty="0" err="1" smtClean="0"/>
+              <a:t>lica</a:t>
+            </a:r>
+            <a:r>
+              <a:rPr lang="en-US" dirty="0" smtClean="0"/>
+              <a:t> </a:t>
+            </a:r>
+            <a:r>
+              <a:rPr lang="en-US" dirty="0" err="1" smtClean="0"/>
+              <a:t>koje</a:t>
+            </a:r>
+            <a:r>
+              <a:rPr lang="en-US" dirty="0" smtClean="0"/>
+              <a:t> </a:t>
+            </a:r>
+            <a:r>
+              <a:rPr lang="en-US" dirty="0" err="1" smtClean="0"/>
+              <a:t>posedujemo</a:t>
+            </a:r>
+            <a:r>
+              <a:rPr lang="en-US" dirty="0" smtClean="0"/>
+              <a:t>, </a:t>
+            </a:r>
+            <a:r>
+              <a:rPr lang="en-US" dirty="0" err="1" smtClean="0"/>
+              <a:t>motivacija</a:t>
+            </a:r>
+            <a:r>
+              <a:rPr lang="en-US" dirty="0" smtClean="0"/>
+              <a:t> </a:t>
+            </a:r>
+            <a:r>
+              <a:rPr lang="en-US" dirty="0" err="1" smtClean="0"/>
+              <a:t>za</a:t>
+            </a:r>
+            <a:r>
+              <a:rPr lang="en-US" dirty="0" smtClean="0"/>
+              <a:t> rad je </a:t>
+            </a:r>
+            <a:r>
+              <a:rPr lang="en-US" dirty="0" smtClean="0"/>
+              <a:t>vi</a:t>
+            </a:r>
+            <a:r>
+              <a:rPr lang="sr-Latn-RS" dirty="0" smtClean="0"/>
+              <a:t>š</a:t>
+            </a:r>
+            <a:r>
+              <a:rPr lang="en-US" dirty="0" smtClean="0"/>
+              <a:t>e </a:t>
+            </a:r>
+            <a:r>
+              <a:rPr lang="en-US" dirty="0" err="1" smtClean="0"/>
+              <a:t>eksperimentalna</a:t>
+            </a:r>
+            <a:r>
+              <a:rPr lang="en-US" dirty="0" smtClean="0"/>
+              <a:t> i </a:t>
+            </a:r>
+            <a:r>
+              <a:rPr lang="en-US" dirty="0" err="1" smtClean="0"/>
+              <a:t>nastoji</a:t>
+            </a:r>
+            <a:r>
+              <a:rPr lang="en-US" dirty="0" smtClean="0"/>
+              <a:t> da </a:t>
+            </a:r>
+            <a:r>
+              <a:rPr lang="en-US" dirty="0" err="1" smtClean="0"/>
+              <a:t>prezentuje</a:t>
+            </a:r>
+            <a:r>
+              <a:rPr lang="en-US" dirty="0" smtClean="0"/>
+              <a:t> </a:t>
+            </a:r>
+            <a:r>
+              <a:rPr lang="en-US" dirty="0" err="1" smtClean="0"/>
+              <a:t>analizu</a:t>
+            </a:r>
+            <a:r>
+              <a:rPr lang="en-US" dirty="0" smtClean="0"/>
+              <a:t> </a:t>
+            </a:r>
+            <a:r>
+              <a:rPr lang="en-US" dirty="0" err="1" smtClean="0"/>
+              <a:t>kontura</a:t>
+            </a:r>
+            <a:r>
+              <a:rPr lang="en-US" dirty="0" smtClean="0"/>
+              <a:t> </a:t>
+            </a:r>
+            <a:r>
+              <a:rPr lang="sr-Latn-RS" dirty="0" smtClean="0"/>
+              <a:t>lica sa</a:t>
+            </a:r>
+            <a:r>
+              <a:rPr lang="en-US" dirty="0" smtClean="0"/>
+              <a:t> </a:t>
+            </a:r>
+            <a:r>
+              <a:rPr lang="en-US" dirty="0" err="1" smtClean="0"/>
+              <a:t>slike</a:t>
+            </a:r>
+            <a:r>
+              <a:rPr lang="en-US" dirty="0" smtClean="0"/>
+              <a:t>.</a:t>
+            </a:r>
+          </a:p>
+          <a:p>
+            <a:r>
+              <a:rPr lang="en-US" dirty="0" err="1" smtClean="0"/>
+              <a:t>Prvi</a:t>
+            </a:r>
+            <a:r>
+              <a:rPr lang="en-US" dirty="0" smtClean="0"/>
+              <a:t> </a:t>
+            </a:r>
+            <a:r>
+              <a:rPr lang="en-US" dirty="0" err="1" smtClean="0"/>
+              <a:t>spisi</a:t>
+            </a:r>
+            <a:r>
+              <a:rPr lang="en-US" dirty="0" smtClean="0"/>
+              <a:t> o </a:t>
+            </a:r>
+            <a:r>
+              <a:rPr lang="en-US" dirty="0" err="1" smtClean="0"/>
+              <a:t>fiziognomici</a:t>
+            </a:r>
+            <a:r>
+              <a:rPr lang="en-US" dirty="0" smtClean="0"/>
+              <a:t> </a:t>
+            </a:r>
+            <a:r>
+              <a:rPr lang="en-US" dirty="0" err="1" smtClean="0"/>
+              <a:t>poticu</a:t>
+            </a:r>
+            <a:r>
+              <a:rPr lang="en-US" dirty="0" smtClean="0"/>
+              <a:t> </a:t>
+            </a:r>
+            <a:r>
+              <a:rPr lang="en-US" dirty="0" err="1" smtClean="0"/>
+              <a:t>jos</a:t>
+            </a:r>
+            <a:r>
+              <a:rPr lang="en-US" dirty="0" smtClean="0"/>
+              <a:t> </a:t>
+            </a:r>
+            <a:r>
+              <a:rPr lang="en-US" dirty="0" err="1" smtClean="0"/>
+              <a:t>iz</a:t>
+            </a:r>
+            <a:r>
+              <a:rPr lang="en-US" dirty="0" smtClean="0"/>
+              <a:t> 5.veka p.n. </a:t>
+            </a:r>
+            <a:endParaRPr lang="en-US" dirty="0"/>
+          </a:p>
+          <a:p>
+            <a:r>
+              <a:rPr lang="en-US" dirty="0" err="1" smtClean="0"/>
+              <a:t>Aristotel</a:t>
+            </a:r>
+            <a:r>
+              <a:rPr lang="en-US" dirty="0" smtClean="0"/>
+              <a:t> </a:t>
+            </a:r>
+            <a:r>
+              <a:rPr lang="en-US" dirty="0" err="1" smtClean="0"/>
+              <a:t>daje</a:t>
+            </a:r>
+            <a:r>
+              <a:rPr lang="en-US" dirty="0" smtClean="0"/>
+              <a:t> </a:t>
+            </a:r>
+            <a:r>
+              <a:rPr lang="en-US" dirty="0" err="1" smtClean="0"/>
+              <a:t>prvo</a:t>
+            </a:r>
+            <a:r>
+              <a:rPr lang="en-US" dirty="0" smtClean="0"/>
+              <a:t> </a:t>
+            </a:r>
+            <a:r>
+              <a:rPr lang="en-US" dirty="0" err="1" smtClean="0"/>
+              <a:t>teorijsko</a:t>
+            </a:r>
+            <a:r>
+              <a:rPr lang="en-US" dirty="0" smtClean="0"/>
+              <a:t> </a:t>
+            </a:r>
+            <a:r>
+              <a:rPr lang="en-US" dirty="0" err="1" smtClean="0"/>
+              <a:t>obja</a:t>
+            </a:r>
+            <a:r>
+              <a:rPr lang="sr-Latn-RS" dirty="0" smtClean="0"/>
+              <a:t>š</a:t>
+            </a:r>
+            <a:r>
+              <a:rPr lang="en-US" dirty="0" err="1" smtClean="0"/>
+              <a:t>njenje</a:t>
+            </a:r>
+            <a:r>
+              <a:rPr lang="en-US" dirty="0" smtClean="0"/>
+              <a:t> </a:t>
+            </a:r>
+            <a:r>
+              <a:rPr lang="en-US" dirty="0" err="1" smtClean="0"/>
+              <a:t>fiziognomike</a:t>
+            </a:r>
+            <a:endParaRPr lang="en-US" dirty="0" smtClean="0"/>
+          </a:p>
+          <a:p>
+            <a:r>
+              <a:rPr lang="en-US" dirty="0" smtClean="0"/>
+              <a:t>U </a:t>
+            </a:r>
+            <a:r>
+              <a:rPr lang="en-US" dirty="0" err="1" smtClean="0"/>
+              <a:t>doba</a:t>
+            </a:r>
+            <a:r>
+              <a:rPr lang="en-US" dirty="0" smtClean="0"/>
+              <a:t> </a:t>
+            </a:r>
+            <a:r>
+              <a:rPr lang="en-US" dirty="0" err="1" smtClean="0"/>
+              <a:t>renesanse</a:t>
+            </a:r>
+            <a:r>
+              <a:rPr lang="en-US" dirty="0" smtClean="0"/>
+              <a:t>, u </a:t>
+            </a:r>
+            <a:r>
+              <a:rPr lang="en-US" dirty="0" err="1" smtClean="0"/>
+              <a:t>Evropi</a:t>
+            </a:r>
+            <a:r>
+              <a:rPr lang="en-US" dirty="0" smtClean="0"/>
+              <a:t>, </a:t>
+            </a:r>
+            <a:r>
+              <a:rPr lang="en-US" dirty="0" err="1" smtClean="0"/>
+              <a:t>po</a:t>
             </a:r>
             <a:r>
               <a:rPr lang="sr-Latn-RS" dirty="0" smtClean="0"/>
@@ -9110,6 +9122,46 @@
             </a:r>
             <a:r>
               <a:rPr lang="en-US" dirty="0" err="1" smtClean="0"/>
+              <a:t>inju</a:t>
+            </a:r>
+            <a:r>
+              <a:rPr lang="en-US" dirty="0" smtClean="0"/>
+              <a:t> </a:t>
+            </a:r>
+            <a:r>
+              <a:rPr lang="sr-Latn-RS" dirty="0" smtClean="0"/>
+              <a:t>š</a:t>
+            </a:r>
+            <a:r>
+              <a:rPr lang="en-US" dirty="0" err="1" smtClean="0"/>
+              <a:t>pekulacije</a:t>
+            </a:r>
+            <a:r>
+              <a:rPr lang="en-US" dirty="0" smtClean="0"/>
+              <a:t> </a:t>
+            </a:r>
+            <a:r>
+              <a:rPr lang="en-US" dirty="0" err="1" smtClean="0"/>
+              <a:t>na</a:t>
+            </a:r>
+            <a:r>
+              <a:rPr lang="en-US" dirty="0" smtClean="0"/>
+              <a:t> </a:t>
+            </a:r>
+            <a:r>
+              <a:rPr lang="en-US" dirty="0" err="1" smtClean="0"/>
+              <a:t>temu</a:t>
+            </a:r>
+            <a:r>
+              <a:rPr lang="en-US" dirty="0" smtClean="0"/>
+              <a:t> ta</a:t>
+            </a:r>
+            <a:r>
+              <a:rPr lang="sr-Latn-RS" dirty="0" smtClean="0"/>
+              <a:t>č</a:t>
+            </a:r>
+            <a:r>
+              <a:rPr lang="en-US" dirty="0" err="1" smtClean="0"/>
               <a:t>nosti</a:t>
             </a:r>
             <a:r>
@@ -9193,7 +9245,15 @@
             </a:r>
             <a:r>
               <a:rPr lang="en-US" dirty="0" err="1" smtClean="0"/>
-              <a:t>mozemo</a:t>
+              <a:t>mo</a:t>
+            </a:r>
+            <a:r>
+              <a:rPr lang="sr-Latn-RS" dirty="0" smtClean="0"/>
+              <a:t>ž</a:t>
+            </a:r>
+            <a:r>
+              <a:rPr lang="en-US" dirty="0" err="1" smtClean="0"/>
+              <a:t>emo</a:t>
             </a:r>
             <a:r>
               <a:rPr lang="en-US" dirty="0" smtClean="0"/>
@@ -9411,11 +9471,7 @@
             </a:r>
             <a:r>
               <a:rPr lang="en-US" dirty="0" smtClean="0"/>
-              <a:t> </a:t>
-            </a:r>
-            <a:r>
-              <a:rPr lang="en-US" dirty="0" smtClean="0"/>
-              <a:t>ne</a:t>
+              <a:t> ne</a:t>
             </a:r>
             <a:r>
               <a:rPr lang="sr-Latn-RS" dirty="0" smtClean="0"/>
@@ -9423,11 +9479,7 @@
             </a:r>
             <a:r>
               <a:rPr lang="en-US" dirty="0" smtClean="0"/>
-              <a:t>to</a:t>
-            </a:r>
-            <a:r>
-              <a:rPr lang="en-US" dirty="0" smtClean="0"/>
-              <a:t>, </a:t>
+              <a:t>to, </a:t>
             </a:r>
             <a:r>
               <a:rPr lang="en-US" dirty="0" err="1" smtClean="0"/>
@@ -9463,11 +9515,7 @@
             </a:r>
             <a:r>
               <a:rPr lang="en-US" dirty="0" smtClean="0"/>
-              <a:t> </a:t>
-            </a:r>
-            <a:r>
-              <a:rPr lang="en-US" dirty="0" smtClean="0"/>
-              <a:t>da </a:t>
+              <a:t> da </a:t>
             </a:r>
             <a:r>
               <a:rPr lang="en-US" dirty="0" err="1" smtClean="0"/>
@@ -9614,11 +9662,7 @@
           <a:p>
             <a:r>
               <a:rPr lang="sr-Latn-RS" dirty="0" smtClean="0"/>
-              <a:t>Projekat je implementiran kao </a:t>
-            </a:r>
-            <a:r>
-              <a:rPr lang="sr-Latn-RS" dirty="0" smtClean="0"/>
-              <a:t>veb aplikacija, korišćenjem </a:t>
+              <a:t>Projekat je implementiran kao veb aplikacija, korišćenjem </a:t>
             </a:r>
             <a:r>
               <a:rPr lang="sr-Latn-RS" u="sng" dirty="0" smtClean="0"/>
@@ -9716,11 +9760,7 @@
             </a:r>
             <a:r>
               <a:rPr lang="en-US" dirty="0" smtClean="0"/>
-              <a:t> cascade</a:t>
-            </a:r>
-            <a:r>
-              <a:rPr lang="en-US" dirty="0" smtClean="0"/>
-              <a:t>”</a:t>
+              <a:t> cascade”</a:t>
             </a:r>
             <a:r>
               <a:rPr lang="sr-Latn-RS" dirty="0" smtClean="0"/>
@@ -10136,11 +10176,7 @@
             </a:r>
             <a:r>
               <a:rPr lang="en-US" dirty="0" smtClean="0"/>
-              <a:t> </a:t>
-            </a:r>
-            <a:r>
-              <a:rPr lang="en-US" dirty="0" smtClean="0"/>
-              <a:t>re</a:t>
+              <a:t> re</a:t>
             </a:r>
             <a:r>
               <a:rPr lang="sr-Latn-RS" dirty="0" smtClean="0"/>
@@ -10160,11 +10196,7 @@
             </a:r>
             <a:r>
               <a:rPr lang="en-US" dirty="0" smtClean="0"/>
-              <a:t>  o </a:t>
-            </a:r>
-            <a:r>
-              <a:rPr lang="en-US" dirty="0" smtClean="0"/>
-              <a:t>ta</a:t>
+              <a:t>  o ta</a:t>
             </a:r>
             <a:r>
               <a:rPr lang="sr-Latn-RS" dirty="0" smtClean="0"/>
@@ -10200,11 +10232,7 @@
             </a:r>
             <a:r>
               <a:rPr lang="en-US" dirty="0" smtClean="0"/>
-              <a:t> </a:t>
-            </a:r>
-            <a:r>
-              <a:rPr lang="en-US" dirty="0" smtClean="0"/>
-              <a:t>da </a:t>
+              <a:t> da </a:t>
             </a:r>
             <a:r>
               <a:rPr lang="en-US" dirty="0" err="1" smtClean="0"/>
@@ -10378,11 +10406,7 @@
             </a:r>
             <a:r>
               <a:rPr lang="en-US" dirty="0" smtClean="0"/>
-              <a:t> </a:t>
-            </a:r>
-            <a:r>
-              <a:rPr lang="en-US" dirty="0" smtClean="0"/>
-              <a:t>bi</a:t>
+              <a:t> bi</a:t>
             </a:r>
             <a:r>
               <a:rPr lang="sr-Latn-RS" dirty="0" smtClean="0"/>
@@ -10545,11 +10569,7 @@
             </a:r>
             <a:r>
               <a:rPr lang="en-US" dirty="0" smtClean="0"/>
-              <a:t>) </a:t>
-            </a:r>
-            <a:r>
-              <a:rPr lang="en-US" dirty="0" smtClean="0"/>
-              <a:t>tipi</a:t>
+              <a:t>) tipi</a:t>
             </a:r>
             <a:r>
               <a:rPr lang="sr-Latn-RS" dirty="0" smtClean="0"/>
@@ -10557,11 +10577,7 @@
             </a:r>
             <a:r>
               <a:rPr lang="en-US" dirty="0" smtClean="0"/>
-              <a:t>no </a:t>
-            </a:r>
-            <a:r>
-              <a:rPr lang="en-US" dirty="0" smtClean="0"/>
-              <a:t>se </a:t>
+              <a:t>no se </a:t>
             </a:r>
             <a:r>
               <a:rPr lang="en-US" dirty="0" err="1" smtClean="0"/>
@@ -10577,11 +10593,7 @@
             </a:r>
             <a:r>
               <a:rPr lang="en-US" dirty="0" smtClean="0"/>
-              <a:t> </a:t>
-            </a:r>
-            <a:r>
-              <a:rPr lang="en-US" dirty="0" smtClean="0"/>
-              <a:t>hap</a:t>
+              <a:t> hap</a:t>
             </a:r>
             <a:r>
               <a:rPr lang="sr-Latn-RS" dirty="0" smtClean="0"/>
@@ -10909,11 +10921,7 @@
             </a:r>
             <a:r>
               <a:rPr lang="en-US" sz="1800" dirty="0" smtClean="0"/>
-              <a:t> </a:t>
-            </a:r>
-            <a:r>
-              <a:rPr lang="en-US" sz="1800" dirty="0" smtClean="0"/>
-              <a:t>je </a:t>
+              <a:t> je </a:t>
             </a:r>
             <a:r>
               <a:rPr lang="en-US" sz="1800" dirty="0" err="1" smtClean="0"/>
@@ -10961,11 +10969,7 @@
             </a:r>
             <a:r>
               <a:rPr lang="en-US" sz="1800" dirty="0" smtClean="0"/>
-              <a:t>, </a:t>
-            </a:r>
-            <a:r>
-              <a:rPr lang="en-US" sz="1800" dirty="0" smtClean="0"/>
-              <a:t>o</a:t>
+              <a:t>, o</a:t>
             </a:r>
             <a:r>
               <a:rPr lang="sr-Latn-RS" sz="1800" dirty="0" smtClean="0"/>
@@ -10977,11 +10981,7 @@
             </a:r>
             <a:r>
               <a:rPr lang="en-US" sz="1800" dirty="0" smtClean="0"/>
-              <a:t> </a:t>
-            </a:r>
-            <a:r>
-              <a:rPr lang="en-US" sz="1800" dirty="0" smtClean="0"/>
-              <a:t>– </a:t>
+              <a:t> – </a:t>
             </a:r>
             <a:r>
               <a:rPr lang="en-US" sz="1800" dirty="0" err="1" smtClean="0"/>
@@ -11025,11 +11025,7 @@
             </a:r>
             <a:r>
               <a:rPr lang="en-US" sz="1800" dirty="0" smtClean="0"/>
-              <a:t>e </a:t>
-            </a:r>
-            <a:r>
-              <a:rPr lang="en-US" sz="1800" dirty="0" smtClean="0"/>
-              <a:t>– </a:t>
+              <a:t>e – </a:t>
             </a:r>
             <a:r>
               <a:rPr lang="en-US" sz="1800" dirty="0" err="1" smtClean="0"/>
@@ -11268,11 +11264,7 @@
             </a:r>
             <a:r>
               <a:rPr lang="en-US" sz="1800" dirty="0" smtClean="0"/>
-              <a:t> </a:t>
-            </a:r>
-            <a:r>
-              <a:rPr lang="en-US" sz="1800" dirty="0" smtClean="0"/>
-              <a:t>re</a:t>
+              <a:t> re</a:t>
             </a:r>
             <a:r>
               <a:rPr lang="sr-Latn-RS" sz="1800" dirty="0" smtClean="0"/>
@@ -11768,11 +11760,7 @@
             </a:r>
             <a:r>
               <a:rPr lang="en-US" b="0" dirty="0" smtClean="0"/>
-              <a:t> u </a:t>
-            </a:r>
-            <a:r>
-              <a:rPr lang="en-US" b="0" dirty="0" smtClean="0"/>
-              <a:t>du</a:t>
+              <a:t> u du</a:t>
             </a:r>
             <a:r>
               <a:rPr lang="sr-Latn-RS" b="0" dirty="0" smtClean="0"/>
@@ -11840,11 +11828,7 @@
             </a:r>
             <a:r>
               <a:rPr lang="en-US" b="0" dirty="0" smtClean="0"/>
-              <a:t> </a:t>
-            </a:r>
-            <a:r>
-              <a:rPr lang="en-US" b="0" dirty="0" smtClean="0"/>
-              <a:t>li</a:t>
+              <a:t> li</a:t>
             </a:r>
             <a:r>
               <a:rPr lang="sr-Latn-RS" b="0" dirty="0" smtClean="0"/>
@@ -12087,11 +12071,7 @@
             </a:r>
             <a:r>
               <a:rPr lang="en-US" b="0" dirty="0" smtClean="0"/>
-              <a:t> </a:t>
-            </a:r>
-            <a:r>
-              <a:rPr lang="en-US" b="0" dirty="0" smtClean="0"/>
-              <a:t>vi</a:t>
+              <a:t> vi</a:t>
             </a:r>
             <a:r>
               <a:rPr lang="sr-Latn-RS" b="0" dirty="0" smtClean="0"/>
@@ -12115,11 +12095,7 @@
             </a:r>
             <a:r>
               <a:rPr lang="en-US" b="0" dirty="0" smtClean="0"/>
-              <a:t> </a:t>
-            </a:r>
-            <a:r>
-              <a:rPr lang="en-US" b="0" dirty="0" smtClean="0"/>
-              <a:t>i </a:t>
+              <a:t> i </a:t>
             </a:r>
             <a:r>
               <a:rPr lang="en-US" b="0" dirty="0" err="1" smtClean="0"/>
@@ -12174,11 +12150,7 @@
             </a:r>
             <a:r>
               <a:rPr lang="en-US" b="0" dirty="0" smtClean="0"/>
-              <a:t>to </a:t>
-            </a:r>
-            <a:r>
-              <a:rPr lang="en-US" b="0" dirty="0" smtClean="0"/>
-              <a:t>se ne </a:t>
+              <a:t>to se ne </a:t>
             </a:r>
             <a:r>
               <a:rPr lang="en-US" b="0" dirty="0" err="1" smtClean="0"/>
@@ -13908,15 +13880,7 @@
                   <a:schemeClr val="bg1"/>
                 </a:solidFill>
               </a:rPr>
-              <a:t> </a:t>
-            </a:r>
-            <a:r>
-              <a:rPr lang="en-US" dirty="0" smtClean="0">
-                <a:solidFill>
-                  <a:schemeClr val="bg1"/>
-                </a:solidFill>
-              </a:rPr>
-              <a:t>da </a:t>
+              <a:t> da </a:t>
             </a:r>
             <a:r>
               <a:rPr lang="en-US" dirty="0" err="1" smtClean="0">
@@ -14121,11 +14085,7 @@
             </a:r>
             <a:r>
               <a:rPr lang="en-US" dirty="0" smtClean="0"/>
-              <a:t> </a:t>
-            </a:r>
-            <a:r>
-              <a:rPr lang="en-US" dirty="0" smtClean="0"/>
-              <a:t>da </a:t>
+              <a:t> da </a:t>
             </a:r>
             <a:r>
               <a:rPr lang="sr-Latn-RS" dirty="0" err="1"/>
@@ -14137,11 +14097,7 @@
             </a:r>
             <a:r>
               <a:rPr lang="en-US" dirty="0" smtClean="0"/>
-              <a:t> </a:t>
-            </a:r>
-            <a:r>
-              <a:rPr lang="en-US" dirty="0" smtClean="0"/>
-              <a:t>da </a:t>
+              <a:t> da </a:t>
             </a:r>
             <a:r>
               <a:rPr lang="en-US" dirty="0" err="1" smtClean="0"/>
@@ -14884,11 +14840,11 @@
           <a:p>
             <a:r>
               <a:rPr lang="sr-Latn-RS" u="sng" dirty="0" smtClean="0"/>
-              <a:t>Prediktor</a:t>
+              <a:t>Detektor </a:t>
             </a:r>
             <a:r>
               <a:rPr lang="sr-Latn-RS" dirty="0" smtClean="0"/>
-              <a:t> je implementiran korišćenjem </a:t>
+              <a:t>je implementiran korišćenjem </a:t>
             </a:r>
             <a:r>
               <a:rPr lang="en-US" dirty="0" smtClean="0"/>

--- a/Specifikacija projekta - final RA57_2012.pptx
+++ b/Specifikacija projekta - final RA57_2012.pptx
@@ -596,7 +596,7 @@
             <a:fld id="{7D0065BE-0657-4A47-90AD-C21C55E16B19}" type="datetime4">
               <a:rPr lang="en-US" smtClean="0"/>
               <a:pPr/>
-              <a:t>February 17, 2016</a:t>
+              <a:t>February 19, 2016</a:t>
             </a:fld>
             <a:endParaRPr lang="en-US"/>
           </a:p>
@@ -763,7 +763,7 @@
             <a:fld id="{A16C3AA4-67BE-44F7-809A-3582401494AF}" type="datetime4">
               <a:rPr lang="en-US" smtClean="0"/>
               <a:pPr/>
-              <a:t>February 17, 2016</a:t>
+              <a:t>February 19, 2016</a:t>
             </a:fld>
             <a:endParaRPr lang="en-US"/>
           </a:p>
@@ -940,7 +940,7 @@
             <a:fld id="{25172EEB-1769-4776-AD69-E7C1260563EB}" type="datetime4">
               <a:rPr lang="en-US" smtClean="0"/>
               <a:pPr/>
-              <a:t>February 17, 2016</a:t>
+              <a:t>February 19, 2016</a:t>
             </a:fld>
             <a:endParaRPr lang="en-US"/>
           </a:p>
@@ -1107,7 +1107,7 @@
             <a:fld id="{D47BB8AF-C16A-4836-A92D-61834B5F0BA5}" type="datetime4">
               <a:rPr lang="en-US" smtClean="0"/>
               <a:pPr/>
-              <a:t>February 17, 2016</a:t>
+              <a:t>February 19, 2016</a:t>
             </a:fld>
             <a:endParaRPr lang="en-US"/>
           </a:p>
@@ -1662,7 +1662,7 @@
             <a:fld id="{647D2193-4505-4A75-99BB-880C6989A757}" type="datetime4">
               <a:rPr lang="en-US" smtClean="0"/>
               <a:pPr/>
-              <a:t>February 17, 2016</a:t>
+              <a:t>February 19, 2016</a:t>
             </a:fld>
             <a:endParaRPr lang="en-US"/>
           </a:p>
@@ -1924,7 +1924,7 @@
             <a:fld id="{113A18F4-33C3-445B-924C-31108C51719C}" type="datetime4">
               <a:rPr lang="en-US" smtClean="0"/>
               <a:pPr/>
-              <a:t>February 17, 2016</a:t>
+              <a:t>February 19, 2016</a:t>
             </a:fld>
             <a:endParaRPr lang="en-US"/>
           </a:p>
@@ -2414,7 +2414,7 @@
             <a:fld id="{3AF7543A-E259-478F-9E0D-57BA40E442B7}" type="datetime4">
               <a:rPr lang="en-US" smtClean="0"/>
               <a:pPr/>
-              <a:t>February 17, 2016</a:t>
+              <a:t>February 19, 2016</a:t>
             </a:fld>
             <a:endParaRPr lang="en-US"/>
           </a:p>
@@ -2529,7 +2529,7 @@
             <a:fld id="{1EFB012D-77A1-44B0-BB26-329BA1EE55C9}" type="datetime4">
               <a:rPr lang="en-US" smtClean="0"/>
               <a:pPr/>
-              <a:t>February 17, 2016</a:t>
+              <a:t>February 19, 2016</a:t>
             </a:fld>
             <a:endParaRPr lang="en-US"/>
           </a:p>
@@ -2621,7 +2621,7 @@
             <a:fld id="{94B7499E-3031-413E-B01E-B94970708CAA}" type="datetime4">
               <a:rPr lang="en-US" smtClean="0"/>
               <a:pPr/>
-              <a:t>February 17, 2016</a:t>
+              <a:t>February 19, 2016</a:t>
             </a:fld>
             <a:endParaRPr lang="en-US"/>
           </a:p>
@@ -3053,7 +3053,7 @@
             <a:fld id="{DC7EAB0C-2220-4D0E-A0DD-DB7FA0F742F4}" type="datetime4">
               <a:rPr lang="en-US" smtClean="0"/>
               <a:pPr/>
-              <a:t>February 17, 2016</a:t>
+              <a:t>February 19, 2016</a:t>
             </a:fld>
             <a:endParaRPr lang="en-US"/>
           </a:p>
@@ -3588,7 +3588,7 @@
             <a:fld id="{E3416D63-31BF-4B94-B6C5-E20B2C63F515}" type="datetime4">
               <a:rPr lang="en-US" smtClean="0"/>
               <a:pPr/>
-              <a:t>February 17, 2016</a:t>
+              <a:t>February 19, 2016</a:t>
             </a:fld>
             <a:endParaRPr lang="en-US"/>
           </a:p>
@@ -4430,7 +4430,7 @@
             <a:fld id="{62B1B13E-D5AF-485E-81A1-82A140076526}" type="datetime4">
               <a:rPr lang="en-US" smtClean="0"/>
               <a:pPr/>
-              <a:t>February 17, 2016</a:t>
+              <a:t>February 19, 2016</a:t>
             </a:fld>
             <a:endParaRPr lang="en-US" dirty="0"/>
           </a:p>
@@ -6273,12 +6273,20 @@
               <a:t> </a:t>
             </a:r>
             <a:r>
-              <a:rPr lang="en-US" dirty="0" err="1"/>
-              <a:t>üeliji</a:t>
-            </a:r>
-            <a:r>
-              <a:rPr lang="en-US" dirty="0"/>
-              <a:t> i </a:t>
+              <a:rPr lang="sr-Latn-RS" dirty="0" err="1"/>
+              <a:t>ć</a:t>
+            </a:r>
+            <a:r>
+              <a:rPr lang="en-US" dirty="0" err="1" smtClean="0"/>
+              <a:t>eliji</a:t>
+            </a:r>
+            <a:r>
+              <a:rPr lang="en-US" dirty="0" smtClean="0"/>
+              <a:t> </a:t>
+            </a:r>
+            <a:r>
+              <a:rPr lang="en-US" dirty="0"/>
+              <a:t>i </a:t>
             </a:r>
             <a:r>
               <a:rPr lang="en-US" dirty="0" err="1"/>
@@ -8842,11 +8850,7 @@
             </a:r>
             <a:r>
               <a:rPr lang="en-US" dirty="0" smtClean="0"/>
-              <a:t> </a:t>
-            </a:r>
-            <a:r>
-              <a:rPr lang="en-US" dirty="0" smtClean="0"/>
-              <a:t>vi</a:t>
+              <a:t> vi</a:t>
             </a:r>
             <a:r>
               <a:rPr lang="sr-Latn-RS" dirty="0" smtClean="0"/>
@@ -8854,11 +8858,7 @@
             </a:r>
             <a:r>
               <a:rPr lang="en-US" dirty="0" smtClean="0"/>
-              <a:t>e </a:t>
-            </a:r>
-            <a:r>
-              <a:rPr lang="en-US" dirty="0" smtClean="0"/>
-              <a:t>od </a:t>
+              <a:t>e od </a:t>
             </a:r>
             <a:r>
               <a:rPr lang="en-US" dirty="0" err="1" smtClean="0"/>
@@ -8906,11 +8906,7 @@
             </a:r>
             <a:r>
               <a:rPr lang="en-US" dirty="0" smtClean="0"/>
-              <a:t> rad je </a:t>
-            </a:r>
-            <a:r>
-              <a:rPr lang="en-US" dirty="0" smtClean="0"/>
-              <a:t>vi</a:t>
+              <a:t> rad je vi</a:t>
             </a:r>
             <a:r>
               <a:rPr lang="sr-Latn-RS" dirty="0" smtClean="0"/>
@@ -14562,7 +14558,7 @@
         <p:spPr>
           <a:xfrm>
             <a:off x="457200" y="1066800"/>
-            <a:ext cx="8153400" cy="3429000"/>
+            <a:ext cx="8153400" cy="3657600"/>
           </a:xfrm>
         </p:spPr>
         <p:txBody>
@@ -14873,9 +14869,58 @@
               <a:t>algoritma</a:t>
             </a:r>
             <a:r>
+              <a:rPr lang="en-US" dirty="0"/>
+              <a:t> </a:t>
+            </a:r>
+            <a:r>
+              <a:rPr lang="en-US" dirty="0" err="1" smtClean="0"/>
+              <a:t>za</a:t>
+            </a:r>
+            <a:r>
+              <a:rPr lang="en-US" dirty="0" smtClean="0"/>
+              <a:t> </a:t>
+            </a:r>
+            <a:r>
+              <a:rPr lang="en-US" dirty="0" err="1" smtClean="0"/>
+              <a:t>otkrivanje</a:t>
+            </a:r>
+            <a:r>
+              <a:rPr lang="en-US" dirty="0" smtClean="0"/>
+              <a:t> </a:t>
+            </a:r>
+            <a:r>
+              <a:rPr lang="en-US" dirty="0" err="1" smtClean="0"/>
+              <a:t>kontura</a:t>
+            </a:r>
+            <a:r>
+              <a:rPr lang="en-US" dirty="0" smtClean="0"/>
+              <a:t> </a:t>
+            </a:r>
+            <a:r>
+              <a:rPr lang="en-US" dirty="0" err="1" smtClean="0"/>
+              <a:t>slike</a:t>
+            </a:r>
+            <a:r>
+              <a:rPr lang="en-US" dirty="0" smtClean="0"/>
+              <a:t> </a:t>
+            </a:r>
+            <a:r>
               <a:rPr lang="sr-Latn-RS" dirty="0" smtClean="0"/>
-              <a:t>..</a:t>
-            </a:r>
+              <a:t>u kombinaciji sa </a:t>
+            </a:r>
+            <a:r>
+              <a:rPr lang="sr-Latn-RS" smtClean="0"/>
+              <a:t>linearnom klasifikacijom(Viola Joones) za prepoznavanje lica i popunjavanje matrice kontura </a:t>
+            </a:r>
+            <a:r>
+              <a:rPr lang="sr-Latn-RS" dirty="0" smtClean="0"/>
+              <a:t>i </a:t>
+            </a:r>
+            <a:r>
+              <a:rPr lang="sr-Latn-RS" smtClean="0"/>
+              <a:t>piramidom slike.</a:t>
+            </a:r>
+            <a:endParaRPr lang="sr-Latn-RS" dirty="0" smtClean="0"/>
           </a:p>
           <a:p>
             <a:r>

--- a/Specifikacija projekta - final RA57_2012.pptx
+++ b/Specifikacija projekta - final RA57_2012.pptx
@@ -14558,7 +14558,7 @@
         <p:spPr>
           <a:xfrm>
             <a:off x="457200" y="1066800"/>
-            <a:ext cx="8153400" cy="3657600"/>
+            <a:ext cx="8153400" cy="3886200"/>
           </a:xfrm>
         </p:spPr>
         <p:txBody>
@@ -14909,18 +14909,37 @@
               <a:t>u kombinaciji sa </a:t>
             </a:r>
             <a:r>
-              <a:rPr lang="sr-Latn-RS" smtClean="0"/>
-              <a:t>linearnom klasifikacijom(Viola Joones) za prepoznavanje lica i popunjavanje matrice kontura </a:t>
-            </a:r>
-            <a:r>
               <a:rPr lang="sr-Latn-RS" dirty="0" smtClean="0"/>
-              <a:t>i </a:t>
-            </a:r>
-            <a:r>
-              <a:rPr lang="sr-Latn-RS" smtClean="0"/>
-              <a:t>piramidom slike.</a:t>
-            </a:r>
-            <a:endParaRPr lang="sr-Latn-RS" dirty="0" smtClean="0"/>
+              <a:t>linearnom</a:t>
+            </a:r>
+            <a:r>
+              <a:rPr lang="en-US" dirty="0"/>
+              <a:t> </a:t>
+            </a:r>
+            <a:r>
+              <a:rPr lang="en-US" dirty="0" err="1" smtClean="0"/>
+              <a:t>klasifikacijom</a:t>
+            </a:r>
+            <a:r>
+              <a:rPr lang="en-US" dirty="0" smtClean="0"/>
+              <a:t> i</a:t>
+            </a:r>
+            <a:r>
+              <a:rPr lang="sr-Latn-RS" dirty="0" smtClean="0"/>
+              <a:t> </a:t>
+            </a:r>
+            <a:r>
+              <a:rPr lang="en-US" dirty="0" smtClean="0"/>
+              <a:t>“sliding  window” </a:t>
+            </a:r>
+            <a:r>
+              <a:rPr lang="sr-Latn-RS" dirty="0" smtClean="0"/>
+              <a:t>za </a:t>
+            </a:r>
+            <a:r>
+              <a:rPr lang="sr-Latn-RS" dirty="0" smtClean="0"/>
+              <a:t>prepoznavanje lica i popunjavanje matrice kontura i piramidom slike.</a:t>
+            </a:r>
           </a:p>
           <a:p>
             <a:r>
